--- a/Presentations/ISIS SCD Numerical Group/workshop_3Aug2015/mantid_SCD_NG_build_from_source.pptx
+++ b/Presentations/ISIS SCD Numerical Group/workshop_3Aug2015/mantid_SCD_NG_build_from_source.pptx
@@ -149,7 +149,7 @@
   </p:defaultTextStyle>
   <p:extLst>
     <p:ext uri="{EFAFB233-063F-42B5-8137-9DF3F51BA10A}">
-      <p15:sldGuideLst xmlns:p15="http://schemas.microsoft.com/office/powerpoint/2012/main" xmlns="">
+      <p15:sldGuideLst xmlns="" xmlns:p15="http://schemas.microsoft.com/office/powerpoint/2012/main">
         <p15:guide id="1" orient="horz" pos="2160">
           <p15:clr>
             <a:srgbClr val="A4A3A4"/>
@@ -5367,14 +5367,30 @@
             <a:r>
               <a:rPr lang="en-GB" dirty="0" smtClean="0">
                 <a:solidFill>
-                  <a:srgbClr val="C00000"/>
+                  <a:schemeClr val="tx1"/>
                 </a:solidFill>
               </a:rPr>
-              <a:t>[[[Contributing – integrating changes]]]</a:t>
+              <a:t>Contributing </a:t>
+            </a:r>
+            <a:r>
+              <a:rPr lang="en-GB" dirty="0" smtClean="0">
+                <a:solidFill>
+                  <a:schemeClr val="tx1"/>
+                </a:solidFill>
+              </a:rPr>
+              <a:t>– integrating </a:t>
+            </a:r>
+            <a:r>
+              <a:rPr lang="en-GB" dirty="0" smtClean="0">
+                <a:solidFill>
+                  <a:schemeClr val="tx1"/>
+                </a:solidFill>
+              </a:rPr>
+              <a:t>changes</a:t>
             </a:r>
             <a:endParaRPr lang="en-GB" dirty="0">
               <a:solidFill>
-                <a:srgbClr val="C00000"/>
+                <a:schemeClr val="tx1"/>
               </a:solidFill>
             </a:endParaRPr>
           </a:p>
@@ -5441,7 +5457,6 @@
               <a:rPr lang="en-GB" dirty="0" smtClean="0"/>
               <a:t>)</a:t>
             </a:r>
-            <a:endParaRPr lang="en-GB" dirty="0" smtClean="0"/>
           </a:p>
           <a:p>
             <a:r>
@@ -8369,7 +8384,6 @@
               <a:rPr lang="en-GB" dirty="0" smtClean="0"/>
               <a:t>)</a:t>
             </a:r>
-            <a:endParaRPr lang="en-GB" dirty="0" smtClean="0"/>
           </a:p>
           <a:p>
             <a:pPr marL="0" indent="0">
